--- a/api_document_en.pptx
+++ b/api_document_en.pptx
@@ -196,7 +196,7 @@
             <a:fld id="{0D5A83C4-E153-4ECC-AD33-B17E8F229E1A}" type="datetimeFigureOut">
               <a:rPr kumimoji="1" lang="ja-JP" altLang="en-US" smtClean="0"/>
               <a:pPr/>
-              <a:t>2010/7/22</a:t>
+              <a:t>2010/9/1</a:t>
             </a:fld>
             <a:endParaRPr kumimoji="1" lang="ja-JP" altLang="en-US"/>
           </a:p>
@@ -676,7 +676,7 @@
             <a:fld id="{E90ED720-0104-4369-84BC-D37694168613}" type="datetimeFigureOut">
               <a:rPr kumimoji="1" lang="ja-JP" altLang="en-US" smtClean="0"/>
               <a:pPr/>
-              <a:t>2010/7/22</a:t>
+              <a:t>2010/9/1</a:t>
             </a:fld>
             <a:endParaRPr kumimoji="1" lang="ja-JP" altLang="en-US"/>
           </a:p>
@@ -875,7 +875,7 @@
             <a:fld id="{E90ED720-0104-4369-84BC-D37694168613}" type="datetimeFigureOut">
               <a:rPr kumimoji="1" lang="ja-JP" altLang="en-US" smtClean="0"/>
               <a:pPr/>
-              <a:t>2010/7/22</a:t>
+              <a:t>2010/9/1</a:t>
             </a:fld>
             <a:endParaRPr kumimoji="1" lang="ja-JP" altLang="en-US"/>
           </a:p>
@@ -1084,7 +1084,7 @@
             <a:fld id="{E90ED720-0104-4369-84BC-D37694168613}" type="datetimeFigureOut">
               <a:rPr kumimoji="1" lang="ja-JP" altLang="en-US" smtClean="0"/>
               <a:pPr/>
-              <a:t>2010/7/22</a:t>
+              <a:t>2010/9/1</a:t>
             </a:fld>
             <a:endParaRPr kumimoji="1" lang="ja-JP" altLang="en-US"/>
           </a:p>
@@ -1283,7 +1283,7 @@
             <a:fld id="{E90ED720-0104-4369-84BC-D37694168613}" type="datetimeFigureOut">
               <a:rPr kumimoji="1" lang="ja-JP" altLang="en-US" smtClean="0"/>
               <a:pPr/>
-              <a:t>2010/7/22</a:t>
+              <a:t>2010/9/1</a:t>
             </a:fld>
             <a:endParaRPr kumimoji="1" lang="ja-JP" altLang="en-US"/>
           </a:p>
@@ -1526,7 +1526,7 @@
             <a:fld id="{E90ED720-0104-4369-84BC-D37694168613}" type="datetimeFigureOut">
               <a:rPr kumimoji="1" lang="ja-JP" altLang="en-US" smtClean="0"/>
               <a:pPr/>
-              <a:t>2010/7/22</a:t>
+              <a:t>2010/9/1</a:t>
             </a:fld>
             <a:endParaRPr kumimoji="1" lang="ja-JP" altLang="en-US"/>
           </a:p>
@@ -1875,7 +1875,7 @@
             <a:fld id="{E90ED720-0104-4369-84BC-D37694168613}" type="datetimeFigureOut">
               <a:rPr kumimoji="1" lang="ja-JP" altLang="en-US" smtClean="0"/>
               <a:pPr/>
-              <a:t>2010/7/22</a:t>
+              <a:t>2010/9/1</a:t>
             </a:fld>
             <a:endParaRPr kumimoji="1" lang="ja-JP" altLang="en-US"/>
           </a:p>
@@ -2358,7 +2358,7 @@
             <a:fld id="{E90ED720-0104-4369-84BC-D37694168613}" type="datetimeFigureOut">
               <a:rPr kumimoji="1" lang="ja-JP" altLang="en-US" smtClean="0"/>
               <a:pPr/>
-              <a:t>2010/7/22</a:t>
+              <a:t>2010/9/1</a:t>
             </a:fld>
             <a:endParaRPr kumimoji="1" lang="ja-JP" altLang="en-US"/>
           </a:p>
@@ -2473,7 +2473,7 @@
             <a:fld id="{E90ED720-0104-4369-84BC-D37694168613}" type="datetimeFigureOut">
               <a:rPr kumimoji="1" lang="ja-JP" altLang="en-US" smtClean="0"/>
               <a:pPr/>
-              <a:t>2010/7/22</a:t>
+              <a:t>2010/9/1</a:t>
             </a:fld>
             <a:endParaRPr kumimoji="1" lang="ja-JP" altLang="en-US"/>
           </a:p>
@@ -2565,7 +2565,7 @@
             <a:fld id="{E90ED720-0104-4369-84BC-D37694168613}" type="datetimeFigureOut">
               <a:rPr kumimoji="1" lang="ja-JP" altLang="en-US" smtClean="0"/>
               <a:pPr/>
-              <a:t>2010/7/22</a:t>
+              <a:t>2010/9/1</a:t>
             </a:fld>
             <a:endParaRPr kumimoji="1" lang="ja-JP" altLang="en-US"/>
           </a:p>
@@ -2871,7 +2871,7 @@
             <a:fld id="{E90ED720-0104-4369-84BC-D37694168613}" type="datetimeFigureOut">
               <a:rPr kumimoji="1" lang="ja-JP" altLang="en-US" smtClean="0"/>
               <a:pPr/>
-              <a:t>2010/7/22</a:t>
+              <a:t>2010/9/1</a:t>
             </a:fld>
             <a:endParaRPr kumimoji="1" lang="ja-JP" altLang="en-US"/>
           </a:p>
@@ -3121,7 +3121,7 @@
             <a:fld id="{E90ED720-0104-4369-84BC-D37694168613}" type="datetimeFigureOut">
               <a:rPr kumimoji="1" lang="ja-JP" altLang="en-US" smtClean="0"/>
               <a:pPr/>
-              <a:t>2010/7/22</a:t>
+              <a:t>2010/9/1</a:t>
             </a:fld>
             <a:endParaRPr kumimoji="1" lang="ja-JP" altLang="en-US"/>
           </a:p>
@@ -3363,7 +3363,7 @@
             <a:fld id="{E90ED720-0104-4369-84BC-D37694168613}" type="datetimeFigureOut">
               <a:rPr kumimoji="1" lang="ja-JP" altLang="en-US" smtClean="0"/>
               <a:pPr/>
-              <a:t>2010/7/22</a:t>
+              <a:t>2010/9/1</a:t>
             </a:fld>
             <a:endParaRPr kumimoji="1" lang="ja-JP" altLang="en-US"/>
           </a:p>
@@ -3793,7 +3793,7 @@
         </p:spPr>
         <p:txBody>
           <a:bodyPr>
-            <a:normAutofit/>
+            <a:normAutofit lnSpcReduction="10000"/>
           </a:bodyPr>
           <a:lstStyle/>
           <a:p>
@@ -3830,7 +3830,80 @@
             <a:pPr lvl="1"/>
             <a:r>
               <a:rPr lang="en-US" altLang="ja-JP" sz="1600" dirty="0" smtClean="0"/>
-              <a:t>IP address and FQDN( ex: aaa.bbb.jp ) cab be used as machine address</a:t>
+              <a:t>IP address and FQDN( ex: aaa.bbb.jp ) cab be used as machine </a:t>
+            </a:r>
+            <a:r>
+              <a:rPr lang="en-US" altLang="ja-JP" sz="1600" dirty="0" smtClean="0"/>
+              <a:t>address</a:t>
+            </a:r>
+          </a:p>
+          <a:p>
+            <a:pPr lvl="1"/>
+            <a:endParaRPr lang="en-US" altLang="ja-JP" sz="1600" dirty="0" smtClean="0"/>
+          </a:p>
+          <a:p>
+            <a:r>
+              <a:rPr lang="en-US" altLang="ja-JP" sz="1800" dirty="0" err="1" smtClean="0"/>
+              <a:t>Machine#set_auth_info</a:t>
+            </a:r>
+            <a:r>
+              <a:rPr lang="en-US" altLang="ja-JP" sz="1800" dirty="0" smtClean="0"/>
+              <a:t>(</a:t>
+            </a:r>
+            <a:r>
+              <a:rPr lang="en-US" altLang="ja-JP" sz="1800" i="1" dirty="0" smtClean="0"/>
+              <a:t>String</a:t>
+            </a:r>
+            <a:r>
+              <a:rPr lang="en-US" altLang="ja-JP" sz="1800" dirty="0" smtClean="0"/>
+              <a:t>:</a:t>
+            </a:r>
+            <a:r>
+              <a:rPr lang="ja-JP" altLang="en-US" sz="1800" dirty="0" smtClean="0"/>
+              <a:t> </a:t>
+            </a:r>
+            <a:r>
+              <a:rPr lang="en-US" altLang="ja-JP" sz="1800" dirty="0" smtClean="0"/>
+              <a:t>user name, </a:t>
+            </a:r>
+            <a:r>
+              <a:rPr lang="en-US" altLang="ja-JP" sz="1800" i="1" dirty="0" smtClean="0"/>
+              <a:t>String</a:t>
+            </a:r>
+            <a:r>
+              <a:rPr lang="en-US" altLang="ja-JP" sz="1800" dirty="0" smtClean="0"/>
+              <a:t>: password)</a:t>
+            </a:r>
+          </a:p>
+          <a:p>
+            <a:pPr lvl="1"/>
+            <a:r>
+              <a:rPr lang="en-US" altLang="ja-JP" sz="1200" dirty="0" smtClean="0"/>
+              <a:t>sets  user name </a:t>
+            </a:r>
+            <a:r>
+              <a:rPr lang="en-US" altLang="ja-JP" sz="1200" dirty="0" smtClean="0"/>
+              <a:t> </a:t>
+            </a:r>
+            <a:r>
+              <a:rPr lang="en-US" altLang="ja-JP" sz="1200" dirty="0" smtClean="0"/>
+              <a:t>to access a machine via </a:t>
+            </a:r>
+            <a:r>
+              <a:rPr lang="en-US" altLang="ja-JP" sz="1200" dirty="0" smtClean="0"/>
+              <a:t>SSH</a:t>
+            </a:r>
+            <a:endParaRPr lang="en-US" altLang="ja-JP" sz="1200" dirty="0" smtClean="0"/>
+          </a:p>
+          <a:p>
+            <a:pPr lvl="1"/>
+            <a:r>
+              <a:rPr lang="en-US" altLang="ja-JP" sz="1200" dirty="0" smtClean="0"/>
+              <a:t>You may use this method when you can login with </a:t>
+            </a:r>
+            <a:r>
+              <a:rPr lang="en-US" altLang="ja-JP" sz="1200" smtClean="0"/>
+              <a:t>no password</a:t>
             </a:r>
           </a:p>
           <a:p>
@@ -3885,7 +3958,7 @@
           <a:p>
             <a:r>
               <a:rPr lang="en-US" altLang="ja-JP" sz="1800" dirty="0" err="1" smtClean="0"/>
-              <a:t>Machine#set_auth_info</a:t>
+              <a:t>Machine#set_auth_info_pki</a:t>
             </a:r>
             <a:r>
               <a:rPr lang="en-US" altLang="ja-JP" sz="1800" dirty="0" smtClean="0"/>
@@ -4336,27 +4409,11 @@
             </a:r>
             <a:r>
               <a:rPr lang="en-US" altLang="ja-JP" sz="1800" i="1" dirty="0" smtClean="0"/>
-              <a:t>String</a:t>
-            </a:r>
-            <a:r>
-              <a:rPr lang="en-US" altLang="ja-JP" sz="1800" i="1" dirty="0" smtClean="0"/>
-              <a:t>: </a:t>
-            </a:r>
-            <a:r>
-              <a:rPr lang="en-US" altLang="ja-JP" sz="1800" dirty="0" smtClean="0"/>
-              <a:t>local </a:t>
-            </a:r>
-            <a:r>
-              <a:rPr lang="en-US" altLang="ja-JP" sz="1800" dirty="0" smtClean="0"/>
-              <a:t>file p</a:t>
-            </a:r>
-            <a:r>
-              <a:rPr lang="en-US" altLang="ja-JP" sz="1800" dirty="0" smtClean="0"/>
-              <a:t>ath</a:t>
-            </a:r>
-            <a:r>
-              <a:rPr lang="en-US" altLang="ja-JP" sz="1800" dirty="0" smtClean="0"/>
-              <a:t>, </a:t>
+              <a:t>String: </a:t>
+            </a:r>
+            <a:r>
+              <a:rPr lang="en-US" altLang="ja-JP" sz="1800" dirty="0" smtClean="0"/>
+              <a:t>local file path, </a:t>
             </a:r>
             <a:r>
               <a:rPr lang="en-US" altLang="ja-JP" sz="1800" i="1" dirty="0" smtClean="0"/>
@@ -4364,32 +4421,15 @@
             </a:r>
             <a:r>
               <a:rPr lang="en-US" altLang="ja-JP" sz="1800" dirty="0" smtClean="0"/>
-              <a:t>: remote </a:t>
-            </a:r>
-            <a:r>
-              <a:rPr lang="en-US" altLang="ja-JP" sz="1800" dirty="0" smtClean="0"/>
-              <a:t>file path</a:t>
-            </a:r>
-            <a:r>
-              <a:rPr lang="en-US" altLang="ja-JP" sz="1800" dirty="0" smtClean="0"/>
-              <a:t>)</a:t>
+              <a:t>: remote file path)</a:t>
             </a:r>
           </a:p>
           <a:p>
             <a:pPr lvl="1"/>
             <a:r>
               <a:rPr lang="en-US" altLang="ja-JP" sz="1600" dirty="0" smtClean="0"/>
-              <a:t>s</a:t>
-            </a:r>
-            <a:r>
-              <a:rPr lang="en-US" altLang="ja-JP" sz="1600" dirty="0" smtClean="0"/>
-              <a:t>end (copy ) a specified local file to remot</a:t>
-            </a:r>
-            <a:r>
-              <a:rPr lang="en-US" altLang="ja-JP" sz="1600" dirty="0" smtClean="0"/>
-              <a:t>e path</a:t>
-            </a:r>
-            <a:endParaRPr lang="en-US" altLang="ja-JP" sz="1600" dirty="0" smtClean="0"/>
+              <a:t>send (copy ) a specified local file to remote path</a:t>
+            </a:r>
           </a:p>
           <a:p>
             <a:r>
@@ -4414,11 +4454,7 @@
             </a:r>
             <a:r>
               <a:rPr kumimoji="1" lang="en-US" altLang="ja-JP" sz="1800" dirty="0" smtClean="0"/>
-              <a:t> </a:t>
-            </a:r>
-            <a:r>
-              <a:rPr kumimoji="1" lang="en-US" altLang="ja-JP" sz="1800" dirty="0" smtClean="0"/>
-              <a:t>emote path, </a:t>
+              <a:t> emote path, </a:t>
             </a:r>
             <a:r>
               <a:rPr kumimoji="1" lang="en-US" altLang="ja-JP" sz="1800" i="1" dirty="0" smtClean="0"/>
@@ -4445,13 +4481,8 @@
             <a:pPr lvl="1"/>
             <a:r>
               <a:rPr lang="en-US" altLang="ja-JP" sz="1600" dirty="0" smtClean="0"/>
-              <a:t>s</a:t>
-            </a:r>
-            <a:r>
-              <a:rPr lang="en-US" altLang="ja-JP" sz="1600" dirty="0" smtClean="0"/>
-              <a:t>end ( copy ) a specified remote file to local path</a:t>
-            </a:r>
-            <a:endParaRPr lang="en-US" altLang="ja-JP" sz="1600" dirty="0" smtClean="0"/>
+              <a:t>send ( copy ) a specified remote file to local path</a:t>
+            </a:r>
           </a:p>
           <a:p>
             <a:pPr>
@@ -4518,7 +4549,6 @@
               <a:rPr kumimoji="1" lang="en-US" altLang="ja-JP" sz="1600" dirty="0" smtClean="0"/>
               <a:t>irectories on the local path are ignored</a:t>
             </a:r>
-            <a:endParaRPr kumimoji="1" lang="en-US" altLang="ja-JP" sz="1600" dirty="0" smtClean="0"/>
           </a:p>
           <a:p>
             <a:r>
@@ -4551,17 +4581,8 @@
             </a:r>
             <a:r>
               <a:rPr lang="en-US" altLang="ja-JP" sz="1800" dirty="0" smtClean="0"/>
-              <a:t> </a:t>
-            </a:r>
-            <a:r>
-              <a:rPr lang="en-US" altLang="ja-JP" sz="1800" dirty="0" smtClean="0"/>
-              <a:t>: local directory path</a:t>
-            </a:r>
-            <a:r>
-              <a:rPr lang="en-US" altLang="ja-JP" sz="1800" dirty="0" smtClean="0"/>
-              <a:t>)</a:t>
-            </a:r>
-            <a:endParaRPr lang="en-US" altLang="ja-JP" sz="1800" dirty="0" smtClean="0"/>
+              <a:t> : local directory path)</a:t>
+            </a:r>
           </a:p>
           <a:p>
             <a:pPr lvl="1"/>
@@ -4574,11 +4595,7 @@
             <a:pPr lvl="1"/>
             <a:r>
               <a:rPr lang="en-US" altLang="ja-JP" sz="1600" dirty="0" smtClean="0"/>
-              <a:t>subdirectories </a:t>
-            </a:r>
-            <a:r>
-              <a:rPr lang="en-US" altLang="ja-JP" sz="1600" dirty="0" smtClean="0"/>
-              <a:t>on the local path are ignored</a:t>
+              <a:t>subdirectories on the local path are ignored</a:t>
             </a:r>
           </a:p>
           <a:p>
@@ -4608,17 +4625,8 @@
             </a:r>
             <a:r>
               <a:rPr lang="en-US" altLang="ja-JP" sz="1800" dirty="0" smtClean="0"/>
-              <a:t> : remot</a:t>
-            </a:r>
-            <a:r>
-              <a:rPr lang="en-US" altLang="ja-JP" sz="1800" dirty="0" smtClean="0"/>
-              <a:t>e directory path</a:t>
-            </a:r>
-            <a:r>
-              <a:rPr lang="en-US" altLang="ja-JP" sz="1800" dirty="0" smtClean="0"/>
-              <a:t>)</a:t>
-            </a:r>
-            <a:endParaRPr lang="en-US" altLang="ja-JP" sz="1800" dirty="0" smtClean="0"/>
+              <a:t> : remote directory path)</a:t>
+            </a:r>
           </a:p>
           <a:p>
             <a:pPr lvl="1"/>
@@ -4633,7 +4641,6 @@
               <a:rPr lang="en-US" altLang="ja-JP" sz="1600" dirty="0" smtClean="0"/>
               <a:t>subdirectories are also sent</a:t>
             </a:r>
-            <a:endParaRPr lang="en-US" altLang="ja-JP" sz="1600" dirty="0" smtClean="0"/>
           </a:p>
           <a:p>
             <a:r>
@@ -4660,21 +4667,12 @@
               <a:rPr lang="en-US" altLang="ja-JP" sz="1800" dirty="0" smtClean="0"/>
               <a:t>: local directory path)</a:t>
             </a:r>
-            <a:endParaRPr lang="en-US" altLang="ja-JP" sz="1800" dirty="0" smtClean="0"/>
           </a:p>
           <a:p>
             <a:pPr lvl="1"/>
             <a:r>
               <a:rPr lang="en-US" altLang="ja-JP" sz="1600" dirty="0" smtClean="0"/>
-              <a:t>Send ( copy ) specified  </a:t>
-            </a:r>
-            <a:r>
-              <a:rPr lang="en-US" altLang="ja-JP" sz="1600" dirty="0" smtClean="0"/>
-              <a:t>remote </a:t>
-            </a:r>
-            <a:r>
-              <a:rPr lang="en-US" altLang="ja-JP" sz="1600" dirty="0" smtClean="0"/>
-              <a:t>directory to </a:t>
+              <a:t>Send ( copy ) specified  remote directory to </a:t>
             </a:r>
             <a:r>
               <a:rPr lang="en-US" altLang="ja-JP" sz="1600" dirty="0" err="1" smtClean="0"/>
@@ -4684,7 +4682,6 @@
               <a:rPr lang="en-US" altLang="ja-JP" sz="1600" dirty="0" smtClean="0"/>
               <a:t> path</a:t>
             </a:r>
-            <a:endParaRPr lang="en-US" altLang="ja-JP" sz="1600" dirty="0" smtClean="0"/>
           </a:p>
           <a:p>
             <a:pPr lvl="1"/>
@@ -4756,11 +4753,7 @@
             </a:r>
             <a:r>
               <a:rPr lang="en-US" altLang="ja-JP" sz="3200" dirty="0" smtClean="0"/>
-              <a:t> class </a:t>
-            </a:r>
-            <a:r>
-              <a:rPr lang="en-US" altLang="ja-JP" sz="3200" dirty="0" smtClean="0"/>
-              <a:t>(</a:t>
+              <a:t> class (</a:t>
             </a:r>
             <a:r>
               <a:rPr lang="en-US" altLang="ja-JP" sz="3200" dirty="0" err="1" smtClean="0"/>
@@ -4812,26 +4805,14 @@
             </a:r>
             <a:r>
               <a:rPr lang="en-US" altLang="ja-JP" sz="1800" dirty="0" smtClean="0"/>
-              <a:t>: </a:t>
-            </a:r>
-            <a:r>
-              <a:rPr lang="en-US" altLang="ja-JP" sz="1800" dirty="0" smtClean="0"/>
-              <a:t> </a:t>
-            </a:r>
-            <a:r>
-              <a:rPr lang="en-US" altLang="ja-JP" sz="1800" dirty="0" smtClean="0"/>
-              <a:t>file path of configuration path located on remote)</a:t>
+              <a:t>:  file path of configuration path located on remote)</a:t>
             </a:r>
           </a:p>
           <a:p>
             <a:pPr lvl="1"/>
             <a:r>
               <a:rPr lang="en-US" altLang="ja-JP" sz="1600" dirty="0" smtClean="0"/>
-              <a:t>r</a:t>
-            </a:r>
-            <a:r>
-              <a:rPr lang="en-US" altLang="ja-JP" sz="1600" dirty="0" smtClean="0"/>
-              <a:t>eturn </a:t>
+              <a:t>return </a:t>
             </a:r>
             <a:r>
               <a:rPr lang="en-US" altLang="ja-JP" sz="1600" i="1" dirty="0" err="1" smtClean="0"/>
@@ -4849,7 +4830,6 @@
               <a:rPr lang="en-US" altLang="ja-JP" sz="1600" i="1" dirty="0" smtClean="0"/>
               <a:t> file</a:t>
             </a:r>
-            <a:endParaRPr lang="en-US" altLang="ja-JP" sz="1600" i="1" dirty="0" smtClean="0"/>
           </a:p>
           <a:p>
             <a:pPr lvl="1"/>
@@ -4858,11 +4838,7 @@
           <a:p>
             <a:r>
               <a:rPr lang="en-US" altLang="ja-JP" sz="1800" dirty="0" smtClean="0"/>
-              <a:t>u</a:t>
-            </a:r>
-            <a:r>
-              <a:rPr lang="en-US" altLang="ja-JP" sz="1800" dirty="0" smtClean="0"/>
-              <a:t>ser can edit remote </a:t>
+              <a:t>user can edit remote </a:t>
             </a:r>
             <a:r>
               <a:rPr lang="en-US" altLang="ja-JP" sz="1800" dirty="0" err="1" smtClean="0"/>
@@ -4884,7 +4860,6 @@
               <a:rPr lang="en-US" altLang="ja-JP" sz="1800" dirty="0" smtClean="0"/>
               <a:t>class instance</a:t>
             </a:r>
-            <a:endParaRPr lang="en-US" altLang="ja-JP" sz="1800" dirty="0" smtClean="0"/>
           </a:p>
           <a:p>
             <a:r>
@@ -4944,29 +4919,15 @@
             </a:r>
             <a:r>
               <a:rPr lang="en-US" altLang="ja-JP" sz="1800" dirty="0" smtClean="0"/>
-              <a:t>:  </a:t>
-            </a:r>
-            <a:r>
-              <a:rPr lang="en-US" altLang="ja-JP" sz="1800" dirty="0" smtClean="0"/>
-              <a:t>string </a:t>
-            </a:r>
-            <a:r>
-              <a:rPr lang="en-US" altLang="ja-JP" sz="1800" dirty="0" smtClean="0"/>
-              <a:t>contained by columns you want to remove)</a:t>
-            </a:r>
-            <a:endParaRPr lang="en-US" altLang="ja-JP" sz="1800" dirty="0" smtClean="0"/>
+              <a:t>:  string contained by columns you want to remove)</a:t>
+            </a:r>
           </a:p>
           <a:p>
             <a:pPr lvl="2"/>
             <a:r>
               <a:rPr lang="en-US" altLang="ja-JP" sz="1600" dirty="0" smtClean="0"/>
-              <a:t>r</a:t>
-            </a:r>
-            <a:r>
-              <a:rPr lang="en-US" altLang="ja-JP" sz="1600" dirty="0" smtClean="0"/>
-              <a:t>emove all  columns  which  contains specified string</a:t>
-            </a:r>
-            <a:endParaRPr lang="en-US" altLang="ja-JP" sz="1600" dirty="0" smtClean="0"/>
+              <a:t>remove all  columns  which  contains specified string</a:t>
+            </a:r>
           </a:p>
           <a:p>
             <a:pPr lvl="1"/>
@@ -4984,15 +4945,7 @@
             </a:r>
             <a:r>
               <a:rPr lang="en-US" altLang="ja-JP" sz="1800" dirty="0" smtClean="0"/>
-              <a:t>: </a:t>
-            </a:r>
-            <a:r>
-              <a:rPr lang="en-US" altLang="ja-JP" sz="1800" dirty="0" smtClean="0"/>
-              <a:t>string contained by columns you want </a:t>
-            </a:r>
-            <a:r>
-              <a:rPr lang="en-US" altLang="ja-JP" sz="1800" dirty="0" smtClean="0"/>
-              <a:t>to replace,</a:t>
+              <a:t>: string contained by columns you want to replace,</a:t>
             </a:r>
             <a:r>
               <a:rPr lang="ja-JP" altLang="en-US" sz="1800" dirty="0" smtClean="0"/>
@@ -5004,25 +4957,15 @@
             </a:r>
             <a:r>
               <a:rPr lang="en-US" altLang="ja-JP" sz="1800" dirty="0" smtClean="0"/>
-              <a:t>: </a:t>
-            </a:r>
-            <a:r>
-              <a:rPr lang="en-US" altLang="ja-JP" sz="1800" dirty="0" smtClean="0"/>
-              <a:t>string placed at replaced part)</a:t>
-            </a:r>
-            <a:endParaRPr lang="en-US" altLang="ja-JP" sz="1800" dirty="0" smtClean="0"/>
+              <a:t>: string placed at replaced part)</a:t>
+            </a:r>
           </a:p>
           <a:p>
             <a:pPr lvl="2"/>
             <a:r>
               <a:rPr lang="en-US" altLang="ja-JP" sz="1600" dirty="0" smtClean="0"/>
-              <a:t>remove all  columns  which  contains specified </a:t>
-            </a:r>
-            <a:r>
-              <a:rPr lang="en-US" altLang="ja-JP" sz="1600" dirty="0" smtClean="0"/>
-              <a:t>string</a:t>
-            </a:r>
-            <a:endParaRPr lang="en-US" altLang="ja-JP" sz="1600" dirty="0" smtClean="0"/>
+              <a:t>remove all  columns  which  contains specified string</a:t>
+            </a:r>
           </a:p>
           <a:p>
             <a:pPr lvl="1"/>
@@ -5040,40 +4983,22 @@
             </a:r>
             <a:r>
               <a:rPr lang="en-US" altLang="ja-JP" sz="1800" dirty="0" smtClean="0"/>
-              <a:t>: </a:t>
-            </a:r>
-            <a:r>
-              <a:rPr lang="en-US" altLang="ja-JP" sz="1800" dirty="0" smtClean="0"/>
-              <a:t>string to append</a:t>
-            </a:r>
-            <a:r>
-              <a:rPr lang="en-US" altLang="ja-JP" sz="1800" dirty="0" smtClean="0"/>
-              <a:t>)</a:t>
-            </a:r>
-            <a:endParaRPr lang="en-US" altLang="ja-JP" sz="1800" dirty="0" smtClean="0"/>
+              <a:t>: string to append)</a:t>
+            </a:r>
           </a:p>
           <a:p>
             <a:pPr lvl="2"/>
             <a:r>
               <a:rPr lang="en-US" altLang="ja-JP" sz="1600" dirty="0" smtClean="0"/>
-              <a:t> </a:t>
-            </a:r>
+              <a:t> append specified string to end of  file</a:t>
+            </a:r>
+          </a:p>
+          <a:p>
+            <a:pPr lvl="2"/>
             <a:r>
               <a:rPr lang="en-US" altLang="ja-JP" sz="1600" dirty="0" smtClean="0"/>
-              <a:t>append specified string to end of  file</a:t>
-            </a:r>
-          </a:p>
-          <a:p>
-            <a:pPr lvl="2"/>
-            <a:r>
-              <a:rPr lang="en-US" altLang="ja-JP" sz="1600" dirty="0" smtClean="0"/>
-              <a:t>m</a:t>
-            </a:r>
-            <a:r>
-              <a:rPr lang="en-US" altLang="ja-JP" sz="1600" dirty="0" smtClean="0"/>
-              <a:t>ulti column (contains new-line character )</a:t>
-            </a:r>
-            <a:endParaRPr lang="en-US" altLang="ja-JP" sz="1600" dirty="0" smtClean="0"/>
+              <a:t>multi column (contains new-line character )</a:t>
+            </a:r>
           </a:p>
           <a:p>
             <a:pPr lvl="1"/>
@@ -5090,15 +5015,7 @@
             <a:pPr lvl="2"/>
             <a:r>
               <a:rPr lang="en-US" altLang="ja-JP" sz="1600" dirty="0" smtClean="0"/>
-              <a:t>r</a:t>
-            </a:r>
-            <a:r>
-              <a:rPr lang="en-US" altLang="ja-JP" sz="1600" dirty="0" smtClean="0"/>
-              <a:t>eflect editing</a:t>
-            </a:r>
-            <a:r>
-              <a:rPr lang="en-US" altLang="ja-JP" sz="1600" dirty="0" smtClean="0"/>
-              <a:t> to the </a:t>
+              <a:t>reflect editing to the </a:t>
             </a:r>
             <a:r>
               <a:rPr lang="en-US" altLang="ja-JP" sz="1600" i="1" dirty="0" err="1" smtClean="0"/>
@@ -5116,23 +5033,13 @@
               <a:rPr lang="en-US" altLang="ja-JP" sz="1600" dirty="0" smtClean="0"/>
               <a:t> file</a:t>
             </a:r>
-            <a:endParaRPr lang="en-US" altLang="ja-JP" sz="1600" dirty="0" smtClean="0"/>
           </a:p>
           <a:p>
             <a:pPr lvl="2"/>
             <a:r>
               <a:rPr lang="en-US" altLang="ja-JP" sz="1600" dirty="0" smtClean="0"/>
-              <a:t>this method </a:t>
-            </a:r>
-            <a:r>
-              <a:rPr lang="en-US" altLang="ja-JP" sz="1600" dirty="0" smtClean="0"/>
-              <a:t>has only </a:t>
-            </a:r>
-            <a:r>
-              <a:rPr lang="en-US" altLang="ja-JP" sz="1600" dirty="0" smtClean="0"/>
-              <a:t>to be called once after all editing</a:t>
-            </a:r>
-            <a:endParaRPr lang="en-US" altLang="ja-JP" sz="1600" dirty="0" smtClean="0"/>
+              <a:t>this method has only to be called once after all editing</a:t>
+            </a:r>
           </a:p>
           <a:p>
             <a:pPr lvl="1"/>
